--- a/team26.pptx
+++ b/team26.pptx
@@ -22,9 +22,9 @@
     <p:sldId id="274" r:id="rId13"/>
     <p:sldId id="279" r:id="rId14"/>
     <p:sldId id="275" r:id="rId15"/>
-    <p:sldId id="278" r:id="rId16"/>
-    <p:sldId id="277" r:id="rId17"/>
-    <p:sldId id="261" r:id="rId18"/>
+    <p:sldId id="261" r:id="rId16"/>
+    <p:sldId id="282" r:id="rId17"/>
+    <p:sldId id="281" r:id="rId18"/>
     <p:sldId id="262" r:id="rId19"/>
     <p:sldId id="263" r:id="rId20"/>
   </p:sldIdLst>
@@ -5358,47 +5358,142 @@
           <a:chExt cx="0" cy="0"/>
         </a:xfrm>
       </p:grpSpPr>
-      <p:pic>
-        <p:nvPicPr>
-          <p:cNvPr id="5" name="Picture 4" descr="HGCH.png"/>
-          <p:cNvPicPr>
-            <a:picLocks noChangeAspect="1"/>
-          </p:cNvPicPr>
+      <p:sp>
+        <p:nvSpPr>
+          <p:cNvPr id="2" name="Title 1"/>
+          <p:cNvSpPr>
+            <a:spLocks noGrp="1"/>
+          </p:cNvSpPr>
+          <p:nvPr>
+            <p:ph type="title"/>
+          </p:nvPr>
+        </p:nvSpPr>
+        <p:spPr>
+          <a:xfrm flipH="1">
+            <a:off x="2057400" y="990600"/>
+            <a:ext cx="4419600" cy="1249362"/>
+          </a:xfrm>
+        </p:spPr>
+        <p:txBody>
+          <a:bodyPr>
+            <a:normAutofit/>
+          </a:bodyPr>
+          <a:lstStyle/>
+          <a:p>
+            <a:r>
+              <a:rPr lang="en-US" b="1" u="sng" dirty="0" smtClean="0">
+                <a:latin typeface="BankGothic Lt BT" pitchFamily="34" charset="0"/>
+              </a:rPr>
+              <a:t>Statement</a:t>
+            </a:r>
+            <a:r>
+              <a:rPr lang="en-US" b="1" dirty="0" smtClean="0">
+                <a:latin typeface="BankGothic Lt BT" pitchFamily="34" charset="0"/>
+              </a:rPr>
+              <a:t>:</a:t>
+            </a:r>
+            <a:endParaRPr lang="en-IN" b="1" dirty="0">
+              <a:latin typeface="BankGothic Lt BT" pitchFamily="34" charset="0"/>
+            </a:endParaRPr>
+          </a:p>
+        </p:txBody>
+      </p:sp>
+      <p:sp>
+        <p:nvSpPr>
+          <p:cNvPr id="3" name="Content Placeholder 2"/>
+          <p:cNvSpPr>
+            <a:spLocks noGrp="1"/>
+          </p:cNvSpPr>
+          <p:nvPr>
+            <p:ph idx="1"/>
+          </p:nvPr>
+        </p:nvSpPr>
+        <p:spPr>
+          <a:xfrm>
+            <a:off x="16687800" y="5791200"/>
+            <a:ext cx="2057400" cy="1935163"/>
+          </a:xfrm>
+        </p:spPr>
+        <p:txBody>
+          <a:bodyPr/>
+          <a:lstStyle/>
+          <a:p>
+            <a:pPr>
+              <a:buNone/>
+            </a:pPr>
+            <a:endParaRPr lang="en-IN" dirty="0"/>
+          </a:p>
+        </p:txBody>
+      </p:sp>
+      <p:sp>
+        <p:nvSpPr>
+          <p:cNvPr id="5" name="Rectangle 4"/>
+          <p:cNvSpPr/>
           <p:nvPr/>
-        </p:nvPicPr>
-        <p:blipFill>
-          <a:blip r:embed="rId2" cstate="print"/>
-          <a:stretch>
-            <a:fillRect/>
-          </a:stretch>
-        </p:blipFill>
-        <p:spPr>
-          <a:xfrm>
-            <a:off x="0" y="1066800"/>
-            <a:ext cx="17983200" cy="8194519"/>
+        </p:nvSpPr>
+        <p:spPr>
+          <a:xfrm flipH="1" flipV="1">
+            <a:off x="15697200" y="5638800"/>
+            <a:ext cx="4495800" cy="369332"/>
           </a:xfrm>
           <a:prstGeom prst="rect">
             <a:avLst/>
           </a:prstGeom>
-          <a:ln>
-            <a:noFill/>
-          </a:ln>
-          <a:effectLst>
-            <a:outerShdw blurRad="292100" dist="139700" dir="2700000" algn="tl" rotWithShape="0">
-              <a:srgbClr val="333333">
-                <a:alpha val="65000"/>
-              </a:srgbClr>
-            </a:outerShdw>
-          </a:effectLst>
-        </p:spPr>
-      </p:pic>
+        </p:spPr>
+        <p:txBody>
+          <a:bodyPr wrap="square">
+            <a:spAutoFit/>
+          </a:bodyPr>
+          <a:lstStyle/>
+          <a:p>
+            <a:r>
+              <a:rPr lang="en-US" dirty="0" smtClean="0"/>
+              <a:t>:</a:t>
+            </a:r>
+            <a:endParaRPr lang="en-IN" dirty="0"/>
+          </a:p>
+        </p:txBody>
+      </p:sp>
+      <p:sp>
+        <p:nvSpPr>
+          <p:cNvPr id="6" name="Rectangle 5"/>
+          <p:cNvSpPr/>
+          <p:nvPr/>
+        </p:nvSpPr>
+        <p:spPr>
+          <a:xfrm>
+            <a:off x="1905000" y="2438400"/>
+            <a:ext cx="4572000" cy="2308324"/>
+          </a:xfrm>
+          <a:prstGeom prst="rect">
+            <a:avLst/>
+          </a:prstGeom>
+        </p:spPr>
+        <p:txBody>
+          <a:bodyPr wrap="square">
+            <a:spAutoFit/>
+          </a:bodyPr>
+          <a:lstStyle/>
+          <a:p>
+            <a:r>
+              <a:rPr lang="en-US" dirty="0" smtClean="0"/>
+              <a:t> </a:t>
+            </a:r>
+            <a:r>
+              <a:rPr lang="en-US" sz="3600" dirty="0" smtClean="0"/>
+              <a:t>we developed the simple tanker battle game using python programming  </a:t>
+            </a:r>
+            <a:endParaRPr lang="en-IN" sz="3600" dirty="0"/>
+          </a:p>
+        </p:txBody>
+      </p:sp>
     </p:spTree>
   </p:cSld>
   <p:clrMapOvr>
     <a:masterClrMapping/>
   </p:clrMapOvr>
   <p:transition>
-    <p:wipe/>
+    <p:wipe dir="r"/>
   </p:transition>
   <p:timing>
     <p:tnLst>
@@ -5427,13 +5522,41 @@
           <a:chExt cx="0" cy="0"/>
         </a:xfrm>
       </p:grpSpPr>
+      <p:sp>
+        <p:nvSpPr>
+          <p:cNvPr id="2" name="Title 1"/>
+          <p:cNvSpPr>
+            <a:spLocks noGrp="1"/>
+          </p:cNvSpPr>
+          <p:nvPr>
+            <p:ph type="title"/>
+          </p:nvPr>
+        </p:nvSpPr>
+        <p:spPr>
+          <a:xfrm>
+            <a:off x="10363200" y="1447800"/>
+            <a:ext cx="1143000" cy="246888"/>
+          </a:xfrm>
+        </p:spPr>
+        <p:txBody>
+          <a:bodyPr>
+            <a:normAutofit fontScale="90000"/>
+          </a:bodyPr>
+          <a:lstStyle/>
+          <a:p>
+            <a:endParaRPr lang="en-IN" dirty="0"/>
+          </a:p>
+        </p:txBody>
+      </p:sp>
       <p:pic>
         <p:nvPicPr>
-          <p:cNvPr id="4" name="Picture 3" descr="JKL.png"/>
+          <p:cNvPr id="4" name="Content Placeholder 3" descr="HGCH.png"/>
           <p:cNvPicPr>
-            <a:picLocks noChangeAspect="1"/>
+            <a:picLocks noGrp="1" noChangeAspect="1"/>
           </p:cNvPicPr>
-          <p:nvPr/>
+          <p:nvPr>
+            <p:ph idx="1"/>
+          </p:nvPr>
         </p:nvPicPr>
         <p:blipFill>
           <a:blip r:embed="rId2" cstate="print"/>
@@ -5443,12 +5566,9 @@
         </p:blipFill>
         <p:spPr>
           <a:xfrm>
-            <a:off x="838200" y="1295400"/>
-            <a:ext cx="7543800" cy="4953000"/>
-          </a:xfrm>
-          <a:prstGeom prst="rect">
-            <a:avLst/>
-          </a:prstGeom>
+            <a:off x="0" y="990600"/>
+            <a:ext cx="13106400" cy="7543800"/>
+          </a:xfrm>
         </p:spPr>
       </p:pic>
     </p:spTree>
@@ -5456,16 +5576,6 @@
   <p:clrMapOvr>
     <a:masterClrMapping/>
   </p:clrMapOvr>
-  <p:transition>
-    <p:wipe dir="d"/>
-  </p:transition>
-  <p:timing>
-    <p:tnLst>
-      <p:par>
-        <p:cTn id="1" dur="indefinite" restart="never" nodeType="tmRoot"/>
-      </p:par>
-    </p:tnLst>
-  </p:timing>
 </p:sld>
 </file>
 
@@ -5497,139 +5607,47 @@
           </p:nvPr>
         </p:nvSpPr>
         <p:spPr>
-          <a:xfrm flipH="1">
-            <a:off x="2057400" y="990600"/>
-            <a:ext cx="4419600" cy="1249362"/>
-          </a:xfrm>
-        </p:spPr>
-        <p:txBody>
-          <a:bodyPr>
-            <a:normAutofit/>
-          </a:bodyPr>
-          <a:lstStyle/>
-          <a:p>
-            <a:r>
-              <a:rPr lang="en-US" b="1" u="sng" dirty="0" smtClean="0">
-                <a:latin typeface="BankGothic Lt BT" pitchFamily="34" charset="0"/>
-              </a:rPr>
-              <a:t>Statement</a:t>
-            </a:r>
-            <a:r>
-              <a:rPr lang="en-US" b="1" dirty="0" smtClean="0">
-                <a:latin typeface="BankGothic Lt BT" pitchFamily="34" charset="0"/>
-              </a:rPr>
-              <a:t>:</a:t>
-            </a:r>
-            <a:endParaRPr lang="en-IN" b="1" dirty="0">
-              <a:latin typeface="BankGothic Lt BT" pitchFamily="34" charset="0"/>
-            </a:endParaRPr>
-          </a:p>
-        </p:txBody>
-      </p:sp>
-      <p:sp>
-        <p:nvSpPr>
-          <p:cNvPr id="3" name="Content Placeholder 2"/>
-          <p:cNvSpPr>
-            <a:spLocks noGrp="1"/>
-          </p:cNvSpPr>
+          <a:xfrm>
+            <a:off x="10134600" y="1219200"/>
+            <a:ext cx="838200" cy="1429512"/>
+          </a:xfrm>
+        </p:spPr>
+        <p:txBody>
+          <a:bodyPr/>
+          <a:lstStyle/>
+          <a:p>
+            <a:endParaRPr lang="en-IN" dirty="0"/>
+          </a:p>
+        </p:txBody>
+      </p:sp>
+      <p:pic>
+        <p:nvPicPr>
+          <p:cNvPr id="4" name="Content Placeholder 3" descr="hj.JPG"/>
+          <p:cNvPicPr>
+            <a:picLocks noGrp="1" noChangeAspect="1"/>
+          </p:cNvPicPr>
           <p:nvPr>
             <p:ph idx="1"/>
           </p:nvPr>
-        </p:nvSpPr>
-        <p:spPr>
-          <a:xfrm>
-            <a:off x="16687800" y="5791200"/>
-            <a:ext cx="2057400" cy="1935163"/>
-          </a:xfrm>
-        </p:spPr>
-        <p:txBody>
-          <a:bodyPr/>
-          <a:lstStyle/>
-          <a:p>
-            <a:pPr>
-              <a:buNone/>
-            </a:pPr>
-            <a:endParaRPr lang="en-IN" dirty="0"/>
-          </a:p>
-        </p:txBody>
-      </p:sp>
-      <p:sp>
-        <p:nvSpPr>
-          <p:cNvPr id="5" name="Rectangle 4"/>
-          <p:cNvSpPr/>
-          <p:nvPr/>
-        </p:nvSpPr>
-        <p:spPr>
-          <a:xfrm flipH="1" flipV="1">
-            <a:off x="15697200" y="5638800"/>
-            <a:ext cx="4495800" cy="369332"/>
-          </a:xfrm>
-          <a:prstGeom prst="rect">
-            <a:avLst/>
-          </a:prstGeom>
-        </p:spPr>
-        <p:txBody>
-          <a:bodyPr wrap="square">
-            <a:spAutoFit/>
-          </a:bodyPr>
-          <a:lstStyle/>
-          <a:p>
-            <a:r>
-              <a:rPr lang="en-US" dirty="0" smtClean="0"/>
-              <a:t>:</a:t>
-            </a:r>
-            <a:endParaRPr lang="en-IN" dirty="0"/>
-          </a:p>
-        </p:txBody>
-      </p:sp>
-      <p:sp>
-        <p:nvSpPr>
-          <p:cNvPr id="6" name="Rectangle 5"/>
-          <p:cNvSpPr/>
-          <p:nvPr/>
-        </p:nvSpPr>
-        <p:spPr>
-          <a:xfrm>
-            <a:off x="1905000" y="2438400"/>
-            <a:ext cx="4572000" cy="2308324"/>
-          </a:xfrm>
-          <a:prstGeom prst="rect">
-            <a:avLst/>
-          </a:prstGeom>
-        </p:spPr>
-        <p:txBody>
-          <a:bodyPr wrap="square">
-            <a:spAutoFit/>
-          </a:bodyPr>
-          <a:lstStyle/>
-          <a:p>
-            <a:r>
-              <a:rPr lang="en-US" dirty="0" smtClean="0"/>
-              <a:t> </a:t>
-            </a:r>
-            <a:r>
-              <a:rPr lang="en-US" sz="3600" dirty="0" smtClean="0"/>
-              <a:t>we developed the simple tanker battle game using python programming  </a:t>
-            </a:r>
-            <a:endParaRPr lang="en-IN" sz="3600" dirty="0"/>
-          </a:p>
-        </p:txBody>
-      </p:sp>
+        </p:nvPicPr>
+        <p:blipFill>
+          <a:blip r:embed="rId2" cstate="print"/>
+          <a:stretch>
+            <a:fillRect/>
+          </a:stretch>
+        </p:blipFill>
+        <p:spPr>
+          <a:xfrm>
+            <a:off x="1219200" y="1036161"/>
+            <a:ext cx="6237684" cy="5821839"/>
+          </a:xfrm>
+        </p:spPr>
+      </p:pic>
     </p:spTree>
   </p:cSld>
   <p:clrMapOvr>
     <a:masterClrMapping/>
   </p:clrMapOvr>
-  <p:transition>
-    <p:wipe dir="r"/>
-  </p:transition>
-  <p:timing>
-    <p:tnLst>
-      <p:par>
-        <p:cTn id="1" dur="indefinite" restart="never" nodeType="tmRoot"/>
-      </p:par>
-    </p:tnLst>
-  </p:timing>
 </p:sld>
 </file>
 

--- a/team26.pptx
+++ b/team26.pptx
@@ -22,9 +22,9 @@
     <p:sldId id="274" r:id="rId13"/>
     <p:sldId id="279" r:id="rId14"/>
     <p:sldId id="275" r:id="rId15"/>
-    <p:sldId id="261" r:id="rId16"/>
-    <p:sldId id="282" r:id="rId17"/>
-    <p:sldId id="281" r:id="rId18"/>
+    <p:sldId id="278" r:id="rId16"/>
+    <p:sldId id="277" r:id="rId17"/>
+    <p:sldId id="261" r:id="rId18"/>
     <p:sldId id="262" r:id="rId19"/>
     <p:sldId id="263" r:id="rId20"/>
   </p:sldIdLst>
@@ -5358,142 +5358,47 @@
           <a:chExt cx="0" cy="0"/>
         </a:xfrm>
       </p:grpSpPr>
-      <p:sp>
-        <p:nvSpPr>
-          <p:cNvPr id="2" name="Title 1"/>
-          <p:cNvSpPr>
-            <a:spLocks noGrp="1"/>
-          </p:cNvSpPr>
-          <p:nvPr>
-            <p:ph type="title"/>
-          </p:nvPr>
-        </p:nvSpPr>
-        <p:spPr>
-          <a:xfrm flipH="1">
-            <a:off x="2057400" y="990600"/>
-            <a:ext cx="4419600" cy="1249362"/>
-          </a:xfrm>
-        </p:spPr>
-        <p:txBody>
-          <a:bodyPr>
-            <a:normAutofit/>
-          </a:bodyPr>
-          <a:lstStyle/>
-          <a:p>
-            <a:r>
-              <a:rPr lang="en-US" b="1" u="sng" dirty="0" smtClean="0">
-                <a:latin typeface="BankGothic Lt BT" pitchFamily="34" charset="0"/>
-              </a:rPr>
-              <a:t>Statement</a:t>
-            </a:r>
-            <a:r>
-              <a:rPr lang="en-US" b="1" dirty="0" smtClean="0">
-                <a:latin typeface="BankGothic Lt BT" pitchFamily="34" charset="0"/>
-              </a:rPr>
-              <a:t>:</a:t>
-            </a:r>
-            <a:endParaRPr lang="en-IN" b="1" dirty="0">
-              <a:latin typeface="BankGothic Lt BT" pitchFamily="34" charset="0"/>
-            </a:endParaRPr>
-          </a:p>
-        </p:txBody>
-      </p:sp>
-      <p:sp>
-        <p:nvSpPr>
-          <p:cNvPr id="3" name="Content Placeholder 2"/>
-          <p:cNvSpPr>
-            <a:spLocks noGrp="1"/>
-          </p:cNvSpPr>
-          <p:nvPr>
-            <p:ph idx="1"/>
-          </p:nvPr>
-        </p:nvSpPr>
+      <p:pic>
+        <p:nvPicPr>
+          <p:cNvPr id="5" name="Picture 4" descr="HGCH.png"/>
+          <p:cNvPicPr>
+            <a:picLocks noChangeAspect="1"/>
+          </p:cNvPicPr>
+          <p:nvPr/>
+        </p:nvPicPr>
+        <p:blipFill>
+          <a:blip r:embed="rId2" cstate="print"/>
+          <a:stretch>
+            <a:fillRect/>
+          </a:stretch>
+        </p:blipFill>
         <p:spPr>
           <a:xfrm>
-            <a:off x="16687800" y="5791200"/>
-            <a:ext cx="2057400" cy="1935163"/>
-          </a:xfrm>
-        </p:spPr>
-        <p:txBody>
-          <a:bodyPr/>
-          <a:lstStyle/>
-          <a:p>
-            <a:pPr>
-              <a:buNone/>
-            </a:pPr>
-            <a:endParaRPr lang="en-IN" dirty="0"/>
-          </a:p>
-        </p:txBody>
-      </p:sp>
-      <p:sp>
-        <p:nvSpPr>
-          <p:cNvPr id="5" name="Rectangle 4"/>
-          <p:cNvSpPr/>
-          <p:nvPr/>
-        </p:nvSpPr>
-        <p:spPr>
-          <a:xfrm flipH="1" flipV="1">
-            <a:off x="15697200" y="5638800"/>
-            <a:ext cx="4495800" cy="369332"/>
+            <a:off x="0" y="1066800"/>
+            <a:ext cx="17983200" cy="8194519"/>
           </a:xfrm>
           <a:prstGeom prst="rect">
             <a:avLst/>
           </a:prstGeom>
-        </p:spPr>
-        <p:txBody>
-          <a:bodyPr wrap="square">
-            <a:spAutoFit/>
-          </a:bodyPr>
-          <a:lstStyle/>
-          <a:p>
-            <a:r>
-              <a:rPr lang="en-US" dirty="0" smtClean="0"/>
-              <a:t>:</a:t>
-            </a:r>
-            <a:endParaRPr lang="en-IN" dirty="0"/>
-          </a:p>
-        </p:txBody>
-      </p:sp>
-      <p:sp>
-        <p:nvSpPr>
-          <p:cNvPr id="6" name="Rectangle 5"/>
-          <p:cNvSpPr/>
-          <p:nvPr/>
-        </p:nvSpPr>
-        <p:spPr>
-          <a:xfrm>
-            <a:off x="1905000" y="2438400"/>
-            <a:ext cx="4572000" cy="2308324"/>
-          </a:xfrm>
-          <a:prstGeom prst="rect">
-            <a:avLst/>
-          </a:prstGeom>
-        </p:spPr>
-        <p:txBody>
-          <a:bodyPr wrap="square">
-            <a:spAutoFit/>
-          </a:bodyPr>
-          <a:lstStyle/>
-          <a:p>
-            <a:r>
-              <a:rPr lang="en-US" dirty="0" smtClean="0"/>
-              <a:t> </a:t>
-            </a:r>
-            <a:r>
-              <a:rPr lang="en-US" sz="3600" dirty="0" smtClean="0"/>
-              <a:t>we developed the simple tanker battle game using python programming  </a:t>
-            </a:r>
-            <a:endParaRPr lang="en-IN" sz="3600" dirty="0"/>
-          </a:p>
-        </p:txBody>
-      </p:sp>
+          <a:ln>
+            <a:noFill/>
+          </a:ln>
+          <a:effectLst>
+            <a:outerShdw blurRad="292100" dist="139700" dir="2700000" algn="tl" rotWithShape="0">
+              <a:srgbClr val="333333">
+                <a:alpha val="65000"/>
+              </a:srgbClr>
+            </a:outerShdw>
+          </a:effectLst>
+        </p:spPr>
+      </p:pic>
     </p:spTree>
   </p:cSld>
   <p:clrMapOvr>
     <a:masterClrMapping/>
   </p:clrMapOvr>
   <p:transition>
-    <p:wipe dir="r"/>
+    <p:wipe/>
   </p:transition>
   <p:timing>
     <p:tnLst>
@@ -5522,41 +5427,13 @@
           <a:chExt cx="0" cy="0"/>
         </a:xfrm>
       </p:grpSpPr>
-      <p:sp>
-        <p:nvSpPr>
-          <p:cNvPr id="2" name="Title 1"/>
-          <p:cNvSpPr>
-            <a:spLocks noGrp="1"/>
-          </p:cNvSpPr>
-          <p:nvPr>
-            <p:ph type="title"/>
-          </p:nvPr>
-        </p:nvSpPr>
-        <p:spPr>
-          <a:xfrm>
-            <a:off x="10363200" y="1447800"/>
-            <a:ext cx="1143000" cy="246888"/>
-          </a:xfrm>
-        </p:spPr>
-        <p:txBody>
-          <a:bodyPr>
-            <a:normAutofit fontScale="90000"/>
-          </a:bodyPr>
-          <a:lstStyle/>
-          <a:p>
-            <a:endParaRPr lang="en-IN" dirty="0"/>
-          </a:p>
-        </p:txBody>
-      </p:sp>
       <p:pic>
         <p:nvPicPr>
-          <p:cNvPr id="4" name="Content Placeholder 3" descr="HGCH.png"/>
+          <p:cNvPr id="4" name="Picture 3" descr="JKL.png"/>
           <p:cNvPicPr>
-            <a:picLocks noGrp="1" noChangeAspect="1"/>
+            <a:picLocks noChangeAspect="1"/>
           </p:cNvPicPr>
-          <p:nvPr>
-            <p:ph idx="1"/>
-          </p:nvPr>
+          <p:nvPr/>
         </p:nvPicPr>
         <p:blipFill>
           <a:blip r:embed="rId2" cstate="print"/>
@@ -5566,9 +5443,12 @@
         </p:blipFill>
         <p:spPr>
           <a:xfrm>
-            <a:off x="0" y="990600"/>
-            <a:ext cx="13106400" cy="7543800"/>
-          </a:xfrm>
+            <a:off x="838200" y="1295400"/>
+            <a:ext cx="7543800" cy="4953000"/>
+          </a:xfrm>
+          <a:prstGeom prst="rect">
+            <a:avLst/>
+          </a:prstGeom>
         </p:spPr>
       </p:pic>
     </p:spTree>
@@ -5576,6 +5456,16 @@
   <p:clrMapOvr>
     <a:masterClrMapping/>
   </p:clrMapOvr>
+  <p:transition>
+    <p:wipe dir="d"/>
+  </p:transition>
+  <p:timing>
+    <p:tnLst>
+      <p:par>
+        <p:cTn id="1" dur="indefinite" restart="never" nodeType="tmRoot"/>
+      </p:par>
+    </p:tnLst>
+  </p:timing>
 </p:sld>
 </file>
 
@@ -5607,47 +5497,139 @@
           </p:nvPr>
         </p:nvSpPr>
         <p:spPr>
+          <a:xfrm flipH="1">
+            <a:off x="2057400" y="990600"/>
+            <a:ext cx="4419600" cy="1249362"/>
+          </a:xfrm>
+        </p:spPr>
+        <p:txBody>
+          <a:bodyPr>
+            <a:normAutofit/>
+          </a:bodyPr>
+          <a:lstStyle/>
+          <a:p>
+            <a:r>
+              <a:rPr lang="en-US" b="1" u="sng" dirty="0" smtClean="0">
+                <a:latin typeface="BankGothic Lt BT" pitchFamily="34" charset="0"/>
+              </a:rPr>
+              <a:t>Statement</a:t>
+            </a:r>
+            <a:r>
+              <a:rPr lang="en-US" b="1" dirty="0" smtClean="0">
+                <a:latin typeface="BankGothic Lt BT" pitchFamily="34" charset="0"/>
+              </a:rPr>
+              <a:t>:</a:t>
+            </a:r>
+            <a:endParaRPr lang="en-IN" b="1" dirty="0">
+              <a:latin typeface="BankGothic Lt BT" pitchFamily="34" charset="0"/>
+            </a:endParaRPr>
+          </a:p>
+        </p:txBody>
+      </p:sp>
+      <p:sp>
+        <p:nvSpPr>
+          <p:cNvPr id="3" name="Content Placeholder 2"/>
+          <p:cNvSpPr>
+            <a:spLocks noGrp="1"/>
+          </p:cNvSpPr>
+          <p:nvPr>
+            <p:ph idx="1"/>
+          </p:nvPr>
+        </p:nvSpPr>
+        <p:spPr>
           <a:xfrm>
-            <a:off x="10134600" y="1219200"/>
-            <a:ext cx="838200" cy="1429512"/>
+            <a:off x="16687800" y="5791200"/>
+            <a:ext cx="2057400" cy="1935163"/>
           </a:xfrm>
         </p:spPr>
         <p:txBody>
           <a:bodyPr/>
           <a:lstStyle/>
           <a:p>
+            <a:pPr>
+              <a:buNone/>
+            </a:pPr>
             <a:endParaRPr lang="en-IN" dirty="0"/>
           </a:p>
         </p:txBody>
       </p:sp>
-      <p:pic>
-        <p:nvPicPr>
-          <p:cNvPr id="4" name="Content Placeholder 3" descr="hj.JPG"/>
-          <p:cNvPicPr>
-            <a:picLocks noGrp="1" noChangeAspect="1"/>
-          </p:cNvPicPr>
-          <p:nvPr>
-            <p:ph idx="1"/>
-          </p:nvPr>
-        </p:nvPicPr>
-        <p:blipFill>
-          <a:blip r:embed="rId2" cstate="print"/>
-          <a:stretch>
-            <a:fillRect/>
-          </a:stretch>
-        </p:blipFill>
+      <p:sp>
+        <p:nvSpPr>
+          <p:cNvPr id="5" name="Rectangle 4"/>
+          <p:cNvSpPr/>
+          <p:nvPr/>
+        </p:nvSpPr>
+        <p:spPr>
+          <a:xfrm flipH="1" flipV="1">
+            <a:off x="15697200" y="5638800"/>
+            <a:ext cx="4495800" cy="369332"/>
+          </a:xfrm>
+          <a:prstGeom prst="rect">
+            <a:avLst/>
+          </a:prstGeom>
+        </p:spPr>
+        <p:txBody>
+          <a:bodyPr wrap="square">
+            <a:spAutoFit/>
+          </a:bodyPr>
+          <a:lstStyle/>
+          <a:p>
+            <a:r>
+              <a:rPr lang="en-US" dirty="0" smtClean="0"/>
+              <a:t>:</a:t>
+            </a:r>
+            <a:endParaRPr lang="en-IN" dirty="0"/>
+          </a:p>
+        </p:txBody>
+      </p:sp>
+      <p:sp>
+        <p:nvSpPr>
+          <p:cNvPr id="6" name="Rectangle 5"/>
+          <p:cNvSpPr/>
+          <p:nvPr/>
+        </p:nvSpPr>
         <p:spPr>
           <a:xfrm>
-            <a:off x="1219200" y="1036161"/>
-            <a:ext cx="6237684" cy="5821839"/>
-          </a:xfrm>
-        </p:spPr>
-      </p:pic>
+            <a:off x="1905000" y="2438400"/>
+            <a:ext cx="4572000" cy="2308324"/>
+          </a:xfrm>
+          <a:prstGeom prst="rect">
+            <a:avLst/>
+          </a:prstGeom>
+        </p:spPr>
+        <p:txBody>
+          <a:bodyPr wrap="square">
+            <a:spAutoFit/>
+          </a:bodyPr>
+          <a:lstStyle/>
+          <a:p>
+            <a:r>
+              <a:rPr lang="en-US" dirty="0" smtClean="0"/>
+              <a:t> </a:t>
+            </a:r>
+            <a:r>
+              <a:rPr lang="en-US" sz="3600" dirty="0" smtClean="0"/>
+              <a:t>we developed the simple tanker battle game using python programming  </a:t>
+            </a:r>
+            <a:endParaRPr lang="en-IN" sz="3600" dirty="0"/>
+          </a:p>
+        </p:txBody>
+      </p:sp>
     </p:spTree>
   </p:cSld>
   <p:clrMapOvr>
     <a:masterClrMapping/>
   </p:clrMapOvr>
+  <p:transition>
+    <p:wipe dir="r"/>
+  </p:transition>
+  <p:timing>
+    <p:tnLst>
+      <p:par>
+        <p:cTn id="1" dur="indefinite" restart="never" nodeType="tmRoot"/>
+      </p:par>
+    </p:tnLst>
+  </p:timing>
 </p:sld>
 </file>
 
@@ -7329,12 +7311,12 @@
               <a:t>In next level the toughness of the will be </a:t>
             </a:r>
             <a:r>
-              <a:rPr lang="en-US" sz="2800" dirty="0" err="1" smtClean="0"/>
-              <a:t>increasedOnce</a:t>
-            </a:r>
-            <a:r>
               <a:rPr lang="en-US" sz="2800" dirty="0" smtClean="0"/>
-              <a:t> the certain score is reached then the player will move to next stage. </a:t>
+              <a:t>increased Once </a:t>
+            </a:r>
+            <a:r>
+              <a:rPr lang="en-US" sz="2800" dirty="0" smtClean="0"/>
+              <a:t>the certain score is reached then the player will move to next stage. </a:t>
             </a:r>
           </a:p>
           <a:p>
